--- a/_LECTIONS/1/1.pptx
+++ b/_LECTIONS/1/1.pptx
@@ -4437,7 +4437,7 @@
             <a:fld id="{B61BEF0D-F0BB-DE4B-95CE-6DB70DBA9567}" type="datetimeFigureOut">
               <a:rPr lang="en-US" dirty="0"/>
               <a:pPr/>
-              <a:t>6/29/2020</a:t>
+              <a:t>6/30/2020</a:t>
             </a:fld>
             <a:endParaRPr lang="en-US" dirty="0"/>
           </a:p>
@@ -8686,11 +8686,7 @@
             </a:r>
             <a:r>
               <a:rPr lang="ru-RU" dirty="0" smtClean="0"/>
-              <a:t>целое число, без ограничения на </a:t>
-            </a:r>
-            <a:r>
-              <a:rPr lang="ru-RU" dirty="0" smtClean="0"/>
-              <a:t>размер</a:t>
+              <a:t>целое число, без ограничения на размер</a:t>
             </a:r>
             <a:br>
               <a:rPr lang="ru-RU" dirty="0" smtClean="0"/>
@@ -8832,23 +8828,37 @@
             <p:ph type="body"/>
           </p:nvPr>
         </p:nvSpPr>
-        <p:spPr/>
-        <p:txBody>
-          <a:bodyPr/>
+        <p:spPr>
+          <a:xfrm>
+            <a:off x="504000" y="1386038"/>
+            <a:ext cx="9071640" cy="4735629"/>
+          </a:xfrm>
+        </p:spPr>
+        <p:txBody>
+          <a:bodyPr>
+            <a:normAutofit/>
+          </a:bodyPr>
           <a:lstStyle/>
           <a:p>
             <a:r>
-              <a:rPr lang="ru-RU" dirty="0"/>
-              <a:t>Переменные бывают </a:t>
-            </a:r>
-            <a:r>
-              <a:rPr lang="ru-RU" dirty="0" smtClean="0"/>
-              <a:t>могут использоваться 4-ю способами:</a:t>
-            </a:r>
-            <a:endParaRPr lang="ru-RU" dirty="0"/>
-          </a:p>
-          <a:p>
-            <a:pPr lvl="1"/>
+              <a:rPr lang="ru-RU" sz="2800" dirty="0"/>
+              <a:t>Переменные </a:t>
+            </a:r>
+            <a:r>
+              <a:rPr lang="ru-RU" sz="2800" dirty="0" smtClean="0"/>
+              <a:t>могут </a:t>
+            </a:r>
+            <a:r>
+              <a:rPr lang="ru-RU" sz="2800" dirty="0" smtClean="0"/>
+              <a:t>использоваться 4-ю способами:</a:t>
+            </a:r>
+            <a:endParaRPr lang="ru-RU" sz="2800" dirty="0"/>
+          </a:p>
+          <a:p>
+            <a:pPr marL="285750" lvl="1" indent="-285750">
+              <a:buFont typeface="Arial" panose="020B0604020202020204" pitchFamily="34" charset="0"/>
+              <a:buChar char="•"/>
+            </a:pPr>
             <a:r>
               <a:rPr lang="ru-RU" dirty="0"/>
               <a:t>Принадлежащие </a:t>
@@ -8914,7 +8924,10 @@
             </a:r>
           </a:p>
           <a:p>
-            <a:pPr lvl="1"/>
+            <a:pPr marL="285750" lvl="1" indent="-285750">
+              <a:buFont typeface="Arial" panose="020B0604020202020204" pitchFamily="34" charset="0"/>
+              <a:buChar char="•"/>
+            </a:pPr>
             <a:r>
               <a:rPr lang="ru-RU" dirty="0"/>
               <a:t>Принадлежащие классу в целом – такие переменные может использовать </a:t>
@@ -8945,7 +8958,10 @@
             </a:r>
           </a:p>
           <a:p>
-            <a:pPr lvl="1"/>
+            <a:pPr marL="285750" lvl="1" indent="-285750">
+              <a:buFont typeface="Arial" panose="020B0604020202020204" pitchFamily="34" charset="0"/>
+              <a:buChar char="•"/>
+            </a:pPr>
             <a:r>
               <a:rPr lang="ru-RU" b="1" dirty="0"/>
               <a:t>Локальные</a:t>
@@ -8964,7 +8980,10 @@
             </a:r>
           </a:p>
           <a:p>
-            <a:pPr lvl="1"/>
+            <a:pPr marL="285750" lvl="1" indent="-285750">
+              <a:buFont typeface="Arial" panose="020B0604020202020204" pitchFamily="34" charset="0"/>
+              <a:buChar char="•"/>
+            </a:pPr>
             <a:r>
               <a:rPr lang="ru-RU" b="1" dirty="0"/>
               <a:t>Аргументы(параметры</a:t>
@@ -14480,15 +14499,7 @@
                   <a:schemeClr val="tx1"/>
                 </a:solidFill>
               </a:rPr>
-              <a:t>Введение </a:t>
-            </a:r>
-            <a:r>
-              <a:rPr lang="ru-RU" dirty="0" smtClean="0">
-                <a:solidFill>
-                  <a:schemeClr val="tx1"/>
-                </a:solidFill>
-              </a:rPr>
-              <a:t>в </a:t>
+              <a:t>Введение в </a:t>
             </a:r>
             <a:r>
               <a:rPr lang="en-US" dirty="0" smtClean="0">
@@ -18160,13 +18171,7 @@
               <a:rPr lang="en-US" smtClean="0">
                 <a:hlinkClick r:id="rId2"/>
               </a:rPr>
-              <a:t>github.com/gladorange</a:t>
-            </a:r>
-            <a:r>
-              <a:rPr lang="en-US" smtClean="0">
-                <a:hlinkClick r:id="rId2"/>
-              </a:rPr>
-              <a:t>/niit_se_2020</a:t>
+              <a:t>github.com/gladorange/niit_se_2020</a:t>
             </a:r>
             <a:r>
               <a:rPr lang="en-US" smtClean="0"/>
